--- a/solutions/cisco/cloud/hybrid-infrastructure/presales/solution-briefing.pptx
+++ b/solutions/cisco/cloud/hybrid-infrastructure/presales/solution-briefing.pptx
@@ -4814,19 +4814,19 @@
           <a:p>
             <a:pPr lvl="1"/>
             <a:r>
-              <a:t>4x HyperFlex HX240c M5 nodes with dual Xeon Gold, 768 GB RAM, 7.68 TB NVMe per node</a:t>
+              <a:t>4x HyperFlex HX240c M5 nodes with dual Xeon Gold and 768 GB RAM</a:t>
             </a:r>
           </a:p>
           <a:p>
             <a:pPr lvl="1"/>
             <a:r>
-              <a:t>Cisco UCS 6454 Fabric Interconnects providing unified 25GbE network and SAN fabric</a:t>
+              <a:t>Cisco UCS 6454 Fabric Interconnects with unified 25GbE fabric</a:t>
             </a:r>
           </a:p>
           <a:p>
             <a:pPr lvl="1"/>
             <a:r>
-              <a:t>VMware vSphere 8 with integrated HyperFlex distributed storage and data services</a:t>
+              <a:t>VMware vSphere 8 with HyperFlex distributed storage and data services</a:t>
             </a:r>
           </a:p>
           <a:p>
@@ -4839,25 +4839,19 @@
           <a:p>
             <a:pPr lvl="1"/>
             <a:r>
-              <a:t>Hypervisor: VMware vSphere 8 Enterprise Plus</a:t>
+              <a:t>Platform: VMware vSphere 8 Enterprise Plus with HyperFlex Data Platform</a:t>
             </a:r>
           </a:p>
           <a:p>
             <a:pPr lvl="1"/>
             <a:r>
-              <a:t>Storage: HyperFlex Data Platform with dedup, compression, snapshots</a:t>
+              <a:t>Management: Cisco Intersight cloud-based management and Veeam backup</a:t>
             </a:r>
           </a:p>
           <a:p>
             <a:pPr lvl="1"/>
             <a:r>
-              <a:t>Management: Cisco Intersight cloud-based unified management</a:t>
-            </a:r>
-          </a:p>
-          <a:p>
-            <a:pPr lvl="1"/>
-            <a:r>
-              <a:t>Backup: Veeam integration with snapshot-based backups</a:t>
+              <a:t>Data Services: Deduplication, compression, snapshots, and self-healing</a:t>
             </a:r>
           </a:p>
         </p:txBody>
@@ -5686,7 +5680,7 @@
               <a:t>Client:</a:t>
             </a:r>
             <a:r>
-              <a:t> Manufacturing company with 250 VMs supporting ERP, MES, and engineering applications across 3 production facilities requiring 24/7 uptime</a:t>
+              <a:t> Manufacturing company with 250 VMs across 3 production facilities</a:t>
             </a:r>
           </a:p>
           <a:p>
@@ -5696,7 +5690,7 @@
               <a:t>Challenge:</a:t>
             </a:r>
             <a:r>
-              <a:t> Aging 3-tier infrastructure with 45 servers and dedicated SAN consuming 42U rack space. VM provisioning taking 4-8 hours delaying project deployments. $180K annual power and cooling costs with frequent hardware failures causing unplanned downtime.</a:t>
+              <a:t> 42U rack space consumption. 4-8 hour VM provisioning delays. $180K annual power costs with frequent hardware failures.</a:t>
             </a:r>
           </a:p>
           <a:p>
@@ -5706,7 +5700,7 @@
               <a:t>Solution:</a:t>
             </a:r>
             <a:r>
-              <a:t> Deployed 4-node Cisco HyperFlex HX240c cluster with 20 TB usable storage. Migrated 250 VMs using vMotion with zero downtime for critical ERP systems. Integrated Cisco Intersight for unified cloud management and Veeam for backup workflows.</a:t>
+              <a:t> 4-node HyperFlex cluster, vMotion migration, Intersight management, Veeam backup.</a:t>
             </a:r>
           </a:p>
           <a:p>
@@ -5716,7 +5710,7 @@
               <a:t>Results:</a:t>
             </a:r>
             <a:r>
-              <a:t> 72% data center footprint reduction (42U to 8U) freeing rack space for expansion. 92% faster VM provisioning (4 hours to 10 minutes) accelerating project delivery. $95K annual operational savings from reduced power/cooling and simplified management. 28-month ROI with ongoing efficiency improvements.</a:t>
+              <a:t> 72% footprint reduction (42U to 8U). 92% faster provisioning. $95K annual savings. 28-month ROI.</a:t>
             </a:r>
           </a:p>
           <a:p>
@@ -5726,7 +5720,7 @@
               <a:t>Testimonial:</a:t>
             </a:r>
             <a:r>
-              <a:t> "HyperFlex transformed our infrastructure from aging and inefficient to modern and streamlined. We freed up 34U of rack space, cut our power bill significantly, and can now deploy VMs in minutes instead of hours. The Intersight management is incredibly intuitive." — </a:t>
+              <a:t> "HyperFlex transformed our infrastructure to modern and streamlined. We freed up 34U rack space and deploy VMs in minutes instead of hours." — </a:t>
             </a:r>
             <a:r>
               <a:rPr b="1"/>

--- a/solutions/cisco/cloud/hybrid-infrastructure/presales/solution-briefing.pptx
+++ b/solutions/cisco/cloud/hybrid-infrastructure/presales/solution-briefing.pptx
@@ -693,6 +693,39 @@
       </p:grpSpPr>
       <p:sp>
         <p:nvSpPr>
+          <p:cNvPr id="12" name="Picture Placeholder 13">
+            <a:extLst>
+              <a:ext uri="{FF2B5EF4-FFF2-40B4-BE49-F238E27FC236}">
+                <a16:creationId xmlns:a16="http://schemas.microsoft.com/office/drawing/2014/main" id="{2DB97592-C4D5-B315-7F11-AA14F6EE8A62}"/>
+              </a:ext>
+            </a:extLst>
+          </p:cNvPr>
+          <p:cNvSpPr>
+            <a:spLocks noGrp="1"/>
+          </p:cNvSpPr>
+          <p:nvPr>
+            <p:ph type="pic" sz="quarter" idx="13"/>
+          </p:nvPr>
+        </p:nvSpPr>
+        <p:spPr>
+          <a:xfrm>
+            <a:off x="313593" y="4536078"/>
+            <a:ext cx="2143858" cy="529698"/>
+          </a:xfrm>
+          <a:prstGeom prst="rect">
+            <a:avLst/>
+          </a:prstGeom>
+        </p:spPr>
+        <p:txBody>
+          <a:bodyPr/>
+          <a:lstStyle/>
+          <a:p>
+            <a:endParaRPr lang="en-US" dirty="0"/>
+          </a:p>
+        </p:txBody>
+      </p:sp>
+      <p:sp>
+        <p:nvSpPr>
           <p:cNvPr id="3" name="Shape 1">
             <a:extLst>
               <a:ext uri="{FF2B5EF4-FFF2-40B4-BE49-F238E27FC236}">
@@ -782,39 +815,6 @@
               <a:rPr lang="en-US" dirty="0"/>
               <a:t>Slide Title</a:t>
             </a:r>
-          </a:p>
-        </p:txBody>
-      </p:sp>
-      <p:sp>
-        <p:nvSpPr>
-          <p:cNvPr id="12" name="Picture Placeholder 13">
-            <a:extLst>
-              <a:ext uri="{FF2B5EF4-FFF2-40B4-BE49-F238E27FC236}">
-                <a16:creationId xmlns:a16="http://schemas.microsoft.com/office/drawing/2014/main" id="{2DB97592-C4D5-B315-7F11-AA14F6EE8A62}"/>
-              </a:ext>
-            </a:extLst>
-          </p:cNvPr>
-          <p:cNvSpPr>
-            <a:spLocks noGrp="1"/>
-          </p:cNvSpPr>
-          <p:nvPr>
-            <p:ph type="pic" sz="quarter" idx="13"/>
-          </p:nvPr>
-        </p:nvSpPr>
-        <p:spPr>
-          <a:xfrm>
-            <a:off x="313593" y="4536078"/>
-            <a:ext cx="2143858" cy="529698"/>
-          </a:xfrm>
-          <a:prstGeom prst="rect">
-            <a:avLst/>
-          </a:prstGeom>
-        </p:spPr>
-        <p:txBody>
-          <a:bodyPr/>
-          <a:lstStyle/>
-          <a:p>
-            <a:endParaRPr lang="en-US" dirty="0"/>
           </a:p>
         </p:txBody>
       </p:sp>
@@ -971,6 +971,39 @@
       </p:grpSpPr>
       <p:sp>
         <p:nvSpPr>
+          <p:cNvPr id="12" name="Picture Placeholder 13">
+            <a:extLst>
+              <a:ext uri="{FF2B5EF4-FFF2-40B4-BE49-F238E27FC236}">
+                <a16:creationId xmlns:a16="http://schemas.microsoft.com/office/drawing/2014/main" id="{2DB97592-C4D5-B315-7F11-AA14F6EE8A62}"/>
+              </a:ext>
+            </a:extLst>
+          </p:cNvPr>
+          <p:cNvSpPr>
+            <a:spLocks noGrp="1"/>
+          </p:cNvSpPr>
+          <p:nvPr>
+            <p:ph type="pic" sz="quarter" idx="13"/>
+          </p:nvPr>
+        </p:nvSpPr>
+        <p:spPr>
+          <a:xfrm>
+            <a:off x="313593" y="4536078"/>
+            <a:ext cx="2143858" cy="529698"/>
+          </a:xfrm>
+          <a:prstGeom prst="rect">
+            <a:avLst/>
+          </a:prstGeom>
+        </p:spPr>
+        <p:txBody>
+          <a:bodyPr/>
+          <a:lstStyle/>
+          <a:p>
+            <a:endParaRPr lang="en-US" dirty="0"/>
+          </a:p>
+        </p:txBody>
+      </p:sp>
+      <p:sp>
+        <p:nvSpPr>
           <p:cNvPr id="3" name="Shape 1">
             <a:extLst>
               <a:ext uri="{FF2B5EF4-FFF2-40B4-BE49-F238E27FC236}">
@@ -1060,39 +1093,6 @@
               <a:rPr lang="en-US" dirty="0"/>
               <a:t>Bullet Points</a:t>
             </a:r>
-          </a:p>
-        </p:txBody>
-      </p:sp>
-      <p:sp>
-        <p:nvSpPr>
-          <p:cNvPr id="12" name="Picture Placeholder 13">
-            <a:extLst>
-              <a:ext uri="{FF2B5EF4-FFF2-40B4-BE49-F238E27FC236}">
-                <a16:creationId xmlns:a16="http://schemas.microsoft.com/office/drawing/2014/main" id="{2DB97592-C4D5-B315-7F11-AA14F6EE8A62}"/>
-              </a:ext>
-            </a:extLst>
-          </p:cNvPr>
-          <p:cNvSpPr>
-            <a:spLocks noGrp="1"/>
-          </p:cNvSpPr>
-          <p:nvPr>
-            <p:ph type="pic" sz="quarter" idx="13"/>
-          </p:nvPr>
-        </p:nvSpPr>
-        <p:spPr>
-          <a:xfrm>
-            <a:off x="313593" y="4536078"/>
-            <a:ext cx="2143858" cy="529698"/>
-          </a:xfrm>
-          <a:prstGeom prst="rect">
-            <a:avLst/>
-          </a:prstGeom>
-        </p:spPr>
-        <p:txBody>
-          <a:bodyPr/>
-          <a:lstStyle/>
-          <a:p>
-            <a:endParaRPr lang="en-US" dirty="0"/>
           </a:p>
         </p:txBody>
       </p:sp>
@@ -1235,6 +1235,39 @@
       </p:grpSpPr>
       <p:sp>
         <p:nvSpPr>
+          <p:cNvPr id="10" name="Picture Placeholder 13">
+            <a:extLst>
+              <a:ext uri="{FF2B5EF4-FFF2-40B4-BE49-F238E27FC236}">
+                <a16:creationId xmlns:a16="http://schemas.microsoft.com/office/drawing/2014/main" id="{6A0FA445-7602-F06E-EC73-5504EBF827CC}"/>
+              </a:ext>
+            </a:extLst>
+          </p:cNvPr>
+          <p:cNvSpPr>
+            <a:spLocks noGrp="1"/>
+          </p:cNvSpPr>
+          <p:nvPr>
+            <p:ph type="pic" sz="quarter" idx="14"/>
+          </p:nvPr>
+        </p:nvSpPr>
+        <p:spPr>
+          <a:xfrm>
+            <a:off x="313592" y="4536078"/>
+            <a:ext cx="2121877" cy="529698"/>
+          </a:xfrm>
+          <a:prstGeom prst="rect">
+            <a:avLst/>
+          </a:prstGeom>
+        </p:spPr>
+        <p:txBody>
+          <a:bodyPr/>
+          <a:lstStyle/>
+          <a:p>
+            <a:endParaRPr lang="en-US" dirty="0"/>
+          </a:p>
+        </p:txBody>
+      </p:sp>
+      <p:sp>
+        <p:nvSpPr>
           <p:cNvPr id="3" name="Shape 1">
             <a:extLst>
               <a:ext uri="{FF2B5EF4-FFF2-40B4-BE49-F238E27FC236}">
@@ -1324,39 +1357,6 @@
               <a:rPr lang="en-US" dirty="0"/>
               <a:t>Two Column Layout</a:t>
             </a:r>
-          </a:p>
-        </p:txBody>
-      </p:sp>
-      <p:sp>
-        <p:nvSpPr>
-          <p:cNvPr id="10" name="Picture Placeholder 13">
-            <a:extLst>
-              <a:ext uri="{FF2B5EF4-FFF2-40B4-BE49-F238E27FC236}">
-                <a16:creationId xmlns:a16="http://schemas.microsoft.com/office/drawing/2014/main" id="{6A0FA445-7602-F06E-EC73-5504EBF827CC}"/>
-              </a:ext>
-            </a:extLst>
-          </p:cNvPr>
-          <p:cNvSpPr>
-            <a:spLocks noGrp="1"/>
-          </p:cNvSpPr>
-          <p:nvPr>
-            <p:ph type="pic" sz="quarter" idx="14"/>
-          </p:nvPr>
-        </p:nvSpPr>
-        <p:spPr>
-          <a:xfrm>
-            <a:off x="313592" y="4536078"/>
-            <a:ext cx="2121877" cy="529698"/>
-          </a:xfrm>
-          <a:prstGeom prst="rect">
-            <a:avLst/>
-          </a:prstGeom>
-        </p:spPr>
-        <p:txBody>
-          <a:bodyPr/>
-          <a:lstStyle/>
-          <a:p>
-            <a:endParaRPr lang="en-US" dirty="0"/>
           </a:p>
         </p:txBody>
       </p:sp>
@@ -1604,6 +1604,39 @@
       </p:grpSpPr>
       <p:sp>
         <p:nvSpPr>
+          <p:cNvPr id="12" name="Picture Placeholder 13">
+            <a:extLst>
+              <a:ext uri="{FF2B5EF4-FFF2-40B4-BE49-F238E27FC236}">
+                <a16:creationId xmlns:a16="http://schemas.microsoft.com/office/drawing/2014/main" id="{2DB97592-C4D5-B315-7F11-AA14F6EE8A62}"/>
+              </a:ext>
+            </a:extLst>
+          </p:cNvPr>
+          <p:cNvSpPr>
+            <a:spLocks noGrp="1"/>
+          </p:cNvSpPr>
+          <p:nvPr>
+            <p:ph type="pic" sz="quarter" idx="13"/>
+          </p:nvPr>
+        </p:nvSpPr>
+        <p:spPr>
+          <a:xfrm>
+            <a:off x="313592" y="4536078"/>
+            <a:ext cx="2126273" cy="529698"/>
+          </a:xfrm>
+          <a:prstGeom prst="rect">
+            <a:avLst/>
+          </a:prstGeom>
+        </p:spPr>
+        <p:txBody>
+          <a:bodyPr/>
+          <a:lstStyle/>
+          <a:p>
+            <a:endParaRPr lang="en-US" dirty="0"/>
+          </a:p>
+        </p:txBody>
+      </p:sp>
+      <p:sp>
+        <p:nvSpPr>
           <p:cNvPr id="3" name="Shape 1">
             <a:extLst>
               <a:ext uri="{FF2B5EF4-FFF2-40B4-BE49-F238E27FC236}">
@@ -1719,39 +1752,6 @@
           </a:p>
           <a:p>
             <a:pPr lvl="0"/>
-            <a:endParaRPr lang="en-US" dirty="0"/>
-          </a:p>
-        </p:txBody>
-      </p:sp>
-      <p:sp>
-        <p:nvSpPr>
-          <p:cNvPr id="12" name="Picture Placeholder 13">
-            <a:extLst>
-              <a:ext uri="{FF2B5EF4-FFF2-40B4-BE49-F238E27FC236}">
-                <a16:creationId xmlns:a16="http://schemas.microsoft.com/office/drawing/2014/main" id="{2DB97592-C4D5-B315-7F11-AA14F6EE8A62}"/>
-              </a:ext>
-            </a:extLst>
-          </p:cNvPr>
-          <p:cNvSpPr>
-            <a:spLocks noGrp="1"/>
-          </p:cNvSpPr>
-          <p:nvPr>
-            <p:ph type="pic" sz="quarter" idx="13"/>
-          </p:nvPr>
-        </p:nvSpPr>
-        <p:spPr>
-          <a:xfrm>
-            <a:off x="313592" y="4536078"/>
-            <a:ext cx="2126273" cy="529698"/>
-          </a:xfrm>
-          <a:prstGeom prst="rect">
-            <a:avLst/>
-          </a:prstGeom>
-        </p:spPr>
-        <p:txBody>
-          <a:bodyPr/>
-          <a:lstStyle/>
-          <a:p>
             <a:endParaRPr lang="en-US" dirty="0"/>
           </a:p>
         </p:txBody>
@@ -1863,6 +1863,39 @@
       </p:grpSpPr>
       <p:sp>
         <p:nvSpPr>
+          <p:cNvPr id="10" name="Picture Placeholder 13">
+            <a:extLst>
+              <a:ext uri="{FF2B5EF4-FFF2-40B4-BE49-F238E27FC236}">
+                <a16:creationId xmlns:a16="http://schemas.microsoft.com/office/drawing/2014/main" id="{6A0FA445-7602-F06E-EC73-5504EBF827CC}"/>
+              </a:ext>
+            </a:extLst>
+          </p:cNvPr>
+          <p:cNvSpPr>
+            <a:spLocks noGrp="1"/>
+          </p:cNvSpPr>
+          <p:nvPr>
+            <p:ph type="pic" sz="quarter" idx="14"/>
+          </p:nvPr>
+        </p:nvSpPr>
+        <p:spPr>
+          <a:xfrm>
+            <a:off x="313592" y="4536078"/>
+            <a:ext cx="2130670" cy="529698"/>
+          </a:xfrm>
+          <a:prstGeom prst="rect">
+            <a:avLst/>
+          </a:prstGeom>
+        </p:spPr>
+        <p:txBody>
+          <a:bodyPr/>
+          <a:lstStyle/>
+          <a:p>
+            <a:endParaRPr lang="en-US" dirty="0"/>
+          </a:p>
+        </p:txBody>
+      </p:sp>
+      <p:sp>
+        <p:nvSpPr>
           <p:cNvPr id="3" name="Shape 1">
             <a:extLst>
               <a:ext uri="{FF2B5EF4-FFF2-40B4-BE49-F238E27FC236}">
@@ -1952,39 +1985,6 @@
               <a:rPr lang="en-US" dirty="0"/>
               <a:t>Visual Content</a:t>
             </a:r>
-          </a:p>
-        </p:txBody>
-      </p:sp>
-      <p:sp>
-        <p:nvSpPr>
-          <p:cNvPr id="10" name="Picture Placeholder 13">
-            <a:extLst>
-              <a:ext uri="{FF2B5EF4-FFF2-40B4-BE49-F238E27FC236}">
-                <a16:creationId xmlns:a16="http://schemas.microsoft.com/office/drawing/2014/main" id="{6A0FA445-7602-F06E-EC73-5504EBF827CC}"/>
-              </a:ext>
-            </a:extLst>
-          </p:cNvPr>
-          <p:cNvSpPr>
-            <a:spLocks noGrp="1"/>
-          </p:cNvSpPr>
-          <p:nvPr>
-            <p:ph type="pic" sz="quarter" idx="14"/>
-          </p:nvPr>
-        </p:nvSpPr>
-        <p:spPr>
-          <a:xfrm>
-            <a:off x="313592" y="4536078"/>
-            <a:ext cx="2130670" cy="529698"/>
-          </a:xfrm>
-          <a:prstGeom prst="rect">
-            <a:avLst/>
-          </a:prstGeom>
-        </p:spPr>
-        <p:txBody>
-          <a:bodyPr/>
-          <a:lstStyle/>
-          <a:p>
-            <a:endParaRPr lang="en-US" dirty="0"/>
           </a:p>
         </p:txBody>
       </p:sp>
@@ -2180,6 +2180,39 @@
       </p:grpSpPr>
       <p:sp>
         <p:nvSpPr>
+          <p:cNvPr id="10" name="Picture Placeholder 13">
+            <a:extLst>
+              <a:ext uri="{FF2B5EF4-FFF2-40B4-BE49-F238E27FC236}">
+                <a16:creationId xmlns:a16="http://schemas.microsoft.com/office/drawing/2014/main" id="{6A0FA445-7602-F06E-EC73-5504EBF827CC}"/>
+              </a:ext>
+            </a:extLst>
+          </p:cNvPr>
+          <p:cNvSpPr>
+            <a:spLocks noGrp="1"/>
+          </p:cNvSpPr>
+          <p:nvPr>
+            <p:ph type="pic" sz="quarter" idx="14"/>
+          </p:nvPr>
+        </p:nvSpPr>
+        <p:spPr>
+          <a:xfrm>
+            <a:off x="313592" y="4536078"/>
+            <a:ext cx="2104294" cy="529698"/>
+          </a:xfrm>
+          <a:prstGeom prst="rect">
+            <a:avLst/>
+          </a:prstGeom>
+        </p:spPr>
+        <p:txBody>
+          <a:bodyPr/>
+          <a:lstStyle/>
+          <a:p>
+            <a:endParaRPr lang="en-US" dirty="0"/>
+          </a:p>
+        </p:txBody>
+      </p:sp>
+      <p:sp>
+        <p:nvSpPr>
           <p:cNvPr id="3" name="Shape 1">
             <a:extLst>
               <a:ext uri="{FF2B5EF4-FFF2-40B4-BE49-F238E27FC236}">
@@ -2269,39 +2302,6 @@
               <a:rPr lang="en-US" dirty="0"/>
               <a:t>Data Visualization</a:t>
             </a:r>
-          </a:p>
-        </p:txBody>
-      </p:sp>
-      <p:sp>
-        <p:nvSpPr>
-          <p:cNvPr id="10" name="Picture Placeholder 13">
-            <a:extLst>
-              <a:ext uri="{FF2B5EF4-FFF2-40B4-BE49-F238E27FC236}">
-                <a16:creationId xmlns:a16="http://schemas.microsoft.com/office/drawing/2014/main" id="{6A0FA445-7602-F06E-EC73-5504EBF827CC}"/>
-              </a:ext>
-            </a:extLst>
-          </p:cNvPr>
-          <p:cNvSpPr>
-            <a:spLocks noGrp="1"/>
-          </p:cNvSpPr>
-          <p:nvPr>
-            <p:ph type="pic" sz="quarter" idx="14"/>
-          </p:nvPr>
-        </p:nvSpPr>
-        <p:spPr>
-          <a:xfrm>
-            <a:off x="313592" y="4536078"/>
-            <a:ext cx="2104294" cy="529698"/>
-          </a:xfrm>
-          <a:prstGeom prst="rect">
-            <a:avLst/>
-          </a:prstGeom>
-        </p:spPr>
-        <p:txBody>
-          <a:bodyPr/>
-          <a:lstStyle/>
-          <a:p>
-            <a:endParaRPr lang="en-US" dirty="0"/>
           </a:p>
         </p:txBody>
       </p:sp>
@@ -3423,7 +3423,7 @@
       <p:grpSpPr/>
       <p:sp>
         <p:nvSpPr>
-          <p:cNvPr id="2" name="Text Placeholder 1"/>
+          <p:cNvPr id="3" name="Text Placeholder 2"/>
           <p:cNvSpPr>
             <a:spLocks noGrp="1"/>
           </p:cNvSpPr>
@@ -3727,7 +3727,7 @@
       <p:grpSpPr/>
       <p:sp>
         <p:nvSpPr>
-          <p:cNvPr id="2" name="Text Placeholder 1"/>
+          <p:cNvPr id="3" name="Text Placeholder 2"/>
           <p:cNvSpPr>
             <a:spLocks noGrp="1"/>
           </p:cNvSpPr>
@@ -3902,7 +3902,7 @@
       <p:grpSpPr/>
       <p:sp>
         <p:nvSpPr>
-          <p:cNvPr id="2" name="Text Placeholder 1"/>
+          <p:cNvPr id="3" name="Text Placeholder 2"/>
           <p:cNvSpPr>
             <a:spLocks noGrp="1"/>
           </p:cNvSpPr>
@@ -4770,7 +4770,7 @@
       <p:grpSpPr/>
       <p:sp>
         <p:nvSpPr>
-          <p:cNvPr id="2" name="Text Placeholder 1"/>
+          <p:cNvPr id="3" name="Text Placeholder 2"/>
           <p:cNvSpPr>
             <a:spLocks noGrp="1"/>
           </p:cNvSpPr>
@@ -4814,7 +4814,7 @@
           <a:p>
             <a:pPr lvl="1"/>
             <a:r>
-              <a:t>4x HyperFlex HX240c M5 nodes with dual Xeon Gold and 768 GB RAM</a:t>
+              <a:t>4x HyperFlex HX240c M5 nodes with dual Xeon Gold processors</a:t>
             </a:r>
           </a:p>
           <a:p>
@@ -4959,7 +4959,7 @@
       <p:grpSpPr/>
       <p:sp>
         <p:nvSpPr>
-          <p:cNvPr id="2" name="Text Placeholder 1"/>
+          <p:cNvPr id="3" name="Text Placeholder 2"/>
           <p:cNvSpPr>
             <a:spLocks noGrp="1"/>
           </p:cNvSpPr>
@@ -5143,7 +5143,7 @@
       <p:grpSpPr/>
       <p:sp>
         <p:nvSpPr>
-          <p:cNvPr id="2" name="Text Placeholder 1"/>
+          <p:cNvPr id="3" name="Text Placeholder 2"/>
           <p:cNvSpPr>
             <a:spLocks noGrp="1"/>
           </p:cNvSpPr>
@@ -5632,7 +5632,7 @@
       <p:grpSpPr/>
       <p:sp>
         <p:nvSpPr>
-          <p:cNvPr id="2" name="Text Placeholder 1"/>
+          <p:cNvPr id="3" name="Text Placeholder 2"/>
           <p:cNvSpPr>
             <a:spLocks noGrp="1"/>
           </p:cNvSpPr>
@@ -5805,7 +5805,7 @@
       <p:grpSpPr/>
       <p:sp>
         <p:nvSpPr>
-          <p:cNvPr id="2" name="Text Placeholder 1"/>
+          <p:cNvPr id="3" name="Text Placeholder 2"/>
           <p:cNvSpPr>
             <a:spLocks noGrp="1"/>
           </p:cNvSpPr>
@@ -5992,7 +5992,7 @@
       <p:grpSpPr/>
       <p:sp>
         <p:nvSpPr>
-          <p:cNvPr id="2" name="Text Placeholder 1"/>
+          <p:cNvPr id="3" name="Text Placeholder 2"/>
           <p:cNvSpPr>
             <a:spLocks noGrp="1"/>
           </p:cNvSpPr>

--- a/solutions/cisco/cloud/hybrid-infrastructure/presales/solution-briefing.pptx
+++ b/solutions/cisco/cloud/hybrid-infrastructure/presales/solution-briefing.pptx
@@ -3326,7 +3326,7 @@
           <a:lstStyle/>
           <a:p>
             <a:r>
-              <a:t>['Presenter Name'] | November 22, 2025</a:t>
+              <a:t>['Presenter Name'] | November 24, 2025</a:t>
             </a:r>
           </a:p>
         </p:txBody>
@@ -6215,7 +6215,7 @@
                     <a:p>
                       <a:r>
                         <a:rPr sz="1100"/>
-                        <a:t>$63,900</a:t>
+                        <a:t>$0</a:t>
                       </a:r>
                     </a:p>
                   </a:txBody>
@@ -6249,7 +6249,7 @@
                     <a:p>
                       <a:r>
                         <a:rPr sz="1100"/>
-                        <a:t>$63,900</a:t>
+                        <a:t>$0</a:t>
                       </a:r>
                     </a:p>
                   </a:txBody>
@@ -6300,7 +6300,7 @@
                     <a:p>
                       <a:r>
                         <a:rPr sz="1100"/>
-                        <a:t>$63,900</a:t>
+                        <a:t>$0</a:t>
                       </a:r>
                     </a:p>
                   </a:txBody>
@@ -6440,7 +6440,7 @@
                     <a:p>
                       <a:r>
                         <a:rPr sz="1100"/>
-                        <a:t>Software</a:t>
+                        <a:t>Software Licenses</a:t>
                       </a:r>
                     </a:p>
                   </a:txBody>
@@ -6561,7 +6561,7 @@
                     <a:p>
                       <a:r>
                         <a:rPr sz="1100"/>
-                        <a:t>Support</a:t>
+                        <a:t>Support &amp; Maintenance</a:t>
                       </a:r>
                     </a:p>
                   </a:txBody>
@@ -6699,7 +6699,7 @@
                     <a:p>
                       <a:r>
                         <a:rPr b="1" sz="1100"/>
-                        <a:t>$515,900</a:t>
+                        <a:t>$452,000</a:t>
                       </a:r>
                     </a:p>
                   </a:txBody>
@@ -6733,7 +6733,7 @@
                     <a:p>
                       <a:r>
                         <a:rPr b="1" sz="1100"/>
-                        <a:t>$480,900</a:t>
+                        <a:t>$417,000</a:t>
                       </a:r>
                     </a:p>
                   </a:txBody>
@@ -6784,7 +6784,7 @@
                     <a:p>
                       <a:r>
                         <a:rPr b="1" sz="1100"/>
-                        <a:t>$796,900</a:t>
+                        <a:t>$733,000</a:t>
                       </a:r>
                     </a:p>
                   </a:txBody>
